--- a/ppts/Topic 5 ANOVA and general linear models.pptx
+++ b/ppts/Topic 5 ANOVA and general linear models.pptx
@@ -339,7 +339,7 @@
           <a:p>
             <a:fld id="{F3A5C36C-4AD1-4368-83A4-9559EE6EF9BD}" type="datetimeFigureOut">
               <a:rPr lang="en-CA" smtClean="0"/>
-              <a:t>16/02/2018</a:t>
+              <a:t>19/02/2018</a:t>
             </a:fld>
             <a:endParaRPr lang="en-CA"/>
           </a:p>
@@ -523,7 +523,7 @@
           <a:p>
             <a:fld id="{F3A5C36C-4AD1-4368-83A4-9559EE6EF9BD}" type="datetimeFigureOut">
               <a:rPr lang="en-CA" smtClean="0"/>
-              <a:t>16/02/2018</a:t>
+              <a:t>19/02/2018</a:t>
             </a:fld>
             <a:endParaRPr lang="en-CA"/>
           </a:p>
@@ -713,7 +713,7 @@
           <a:p>
             <a:fld id="{F3A5C36C-4AD1-4368-83A4-9559EE6EF9BD}" type="datetimeFigureOut">
               <a:rPr lang="en-CA" smtClean="0"/>
-              <a:t>16/02/2018</a:t>
+              <a:t>19/02/2018</a:t>
             </a:fld>
             <a:endParaRPr lang="en-CA"/>
           </a:p>
@@ -893,7 +893,7 @@
           <a:p>
             <a:fld id="{F3A5C36C-4AD1-4368-83A4-9559EE6EF9BD}" type="datetimeFigureOut">
               <a:rPr lang="en-CA" smtClean="0"/>
-              <a:t>16/02/2018</a:t>
+              <a:t>19/02/2018</a:t>
             </a:fld>
             <a:endParaRPr lang="en-CA"/>
           </a:p>
@@ -1158,7 +1158,7 @@
           <a:p>
             <a:fld id="{F3A5C36C-4AD1-4368-83A4-9559EE6EF9BD}" type="datetimeFigureOut">
               <a:rPr lang="en-CA" smtClean="0"/>
-              <a:t>16/02/2018</a:t>
+              <a:t>19/02/2018</a:t>
             </a:fld>
             <a:endParaRPr lang="en-CA"/>
           </a:p>
@@ -1440,7 +1440,7 @@
           <a:p>
             <a:fld id="{F3A5C36C-4AD1-4368-83A4-9559EE6EF9BD}" type="datetimeFigureOut">
               <a:rPr lang="en-CA" smtClean="0"/>
-              <a:t>16/02/2018</a:t>
+              <a:t>19/02/2018</a:t>
             </a:fld>
             <a:endParaRPr lang="en-CA"/>
           </a:p>
@@ -1832,7 +1832,7 @@
           <a:p>
             <a:fld id="{F3A5C36C-4AD1-4368-83A4-9559EE6EF9BD}" type="datetimeFigureOut">
               <a:rPr lang="en-CA" smtClean="0"/>
-              <a:t>16/02/2018</a:t>
+              <a:t>19/02/2018</a:t>
             </a:fld>
             <a:endParaRPr lang="en-CA"/>
           </a:p>
@@ -1998,7 +1998,7 @@
           <a:p>
             <a:fld id="{F3A5C36C-4AD1-4368-83A4-9559EE6EF9BD}" type="datetimeFigureOut">
               <a:rPr lang="en-CA" smtClean="0"/>
-              <a:t>16/02/2018</a:t>
+              <a:t>19/02/2018</a:t>
             </a:fld>
             <a:endParaRPr lang="en-CA"/>
           </a:p>
@@ -2105,7 +2105,7 @@
           <a:p>
             <a:fld id="{F3A5C36C-4AD1-4368-83A4-9559EE6EF9BD}" type="datetimeFigureOut">
               <a:rPr lang="en-CA" smtClean="0"/>
-              <a:t>16/02/2018</a:t>
+              <a:t>19/02/2018</a:t>
             </a:fld>
             <a:endParaRPr lang="en-CA"/>
           </a:p>
@@ -2381,7 +2381,7 @@
           <a:p>
             <a:fld id="{F3A5C36C-4AD1-4368-83A4-9559EE6EF9BD}" type="datetimeFigureOut">
               <a:rPr lang="en-CA" smtClean="0"/>
-              <a:t>16/02/2018</a:t>
+              <a:t>19/02/2018</a:t>
             </a:fld>
             <a:endParaRPr lang="en-CA"/>
           </a:p>
@@ -2990,7 +2990,7 @@
           <a:p>
             <a:fld id="{F3A5C36C-4AD1-4368-83A4-9559EE6EF9BD}" type="datetimeFigureOut">
               <a:rPr lang="en-CA" smtClean="0"/>
-              <a:t>16/02/2018</a:t>
+              <a:t>19/02/2018</a:t>
             </a:fld>
             <a:endParaRPr lang="en-CA"/>
           </a:p>
@@ -3526,7 +3526,7 @@
           <a:p>
             <a:fld id="{F3A5C36C-4AD1-4368-83A4-9559EE6EF9BD}" type="datetimeFigureOut">
               <a:rPr lang="en-CA" smtClean="0"/>
-              <a:t>16/02/2018</a:t>
+              <a:t>19/02/2018</a:t>
             </a:fld>
             <a:endParaRPr lang="en-CA"/>
           </a:p>
@@ -5042,8 +5042,8 @@
           </a:p>
         </p:txBody>
       </p:sp>
-      <mc:AlternateContent xmlns:mc="http://schemas.openxmlformats.org/markup-compatibility/2006" xmlns:a14="http://schemas.microsoft.com/office/drawing/2010/main">
-        <mc:Choice Requires="a14">
+      <mc:AlternateContent xmlns:mc="http://schemas.openxmlformats.org/markup-compatibility/2006">
+        <mc:Choice xmlns:a14="http://schemas.microsoft.com/office/drawing/2010/main" Requires="a14">
           <p:sp>
             <p:nvSpPr>
               <p:cNvPr id="6" name="Rectangle 5">
@@ -5058,7 +5058,7 @@
             </p:nvSpPr>
             <p:spPr>
               <a:xfrm>
-                <a:off x="1187624" y="1700808"/>
+                <a:off x="1187623" y="2082177"/>
                 <a:ext cx="6120680" cy="497252"/>
               </a:xfrm>
               <a:prstGeom prst="rect">
@@ -5307,7 +5307,7 @@
             </p:txBody>
           </p:sp>
         </mc:Choice>
-        <mc:Fallback xmlns="">
+        <mc:Fallback>
           <p:sp>
             <p:nvSpPr>
               <p:cNvPr id="6" name="Rectangle 5">
@@ -5324,7 +5324,7 @@
             </p:nvSpPr>
             <p:spPr>
               <a:xfrm>
-                <a:off x="1187624" y="1700808"/>
+                <a:off x="1187623" y="2082177"/>
                 <a:ext cx="6120680" cy="497252"/>
               </a:xfrm>
               <a:prstGeom prst="rect">
@@ -5333,7 +5333,7 @@
               <a:blipFill>
                 <a:blip r:embed="rId2"/>
                 <a:stretch>
-                  <a:fillRect b="-10976"/>
+                  <a:fillRect b="-12346"/>
                 </a:stretch>
               </a:blipFill>
             </p:spPr>
@@ -5447,8 +5447,8 @@
           </a:p>
         </p:txBody>
       </p:sp>
-      <mc:AlternateContent xmlns:mc="http://schemas.openxmlformats.org/markup-compatibility/2006" xmlns:a14="http://schemas.microsoft.com/office/drawing/2010/main">
-        <mc:Choice Requires="a14">
+      <mc:AlternateContent xmlns:mc="http://schemas.openxmlformats.org/markup-compatibility/2006">
+        <mc:Choice xmlns:a14="http://schemas.microsoft.com/office/drawing/2010/main" Requires="a14">
           <p:sp>
             <p:nvSpPr>
               <p:cNvPr id="3" name="Content Placeholder 2">
@@ -5467,7 +5467,7 @@
             </p:nvSpPr>
             <p:spPr>
               <a:xfrm>
-                <a:off x="251437" y="1412776"/>
+                <a:off x="323528" y="1847850"/>
                 <a:ext cx="8229600" cy="3096344"/>
               </a:xfrm>
             </p:spPr>
@@ -5940,7 +5940,7 @@
             </p:txBody>
           </p:sp>
         </mc:Choice>
-        <mc:Fallback xmlns="">
+        <mc:Fallback>
           <p:sp>
             <p:nvSpPr>
               <p:cNvPr id="3" name="Content Placeholder 2">
@@ -5959,7 +5959,7 @@
             </p:nvSpPr>
             <p:spPr>
               <a:xfrm>
-                <a:off x="251437" y="1412776"/>
+                <a:off x="323528" y="1847850"/>
                 <a:ext cx="8229600" cy="3096344"/>
               </a:xfrm>
               <a:blipFill>

--- a/ppts/Topic 5 ANOVA and general linear models.pptx
+++ b/ppts/Topic 5 ANOVA and general linear models.pptx
@@ -339,7 +339,7 @@
           <a:p>
             <a:fld id="{F3A5C36C-4AD1-4368-83A4-9559EE6EF9BD}" type="datetimeFigureOut">
               <a:rPr lang="en-CA" smtClean="0"/>
-              <a:t>19/02/2018</a:t>
+              <a:t>26/02/2018</a:t>
             </a:fld>
             <a:endParaRPr lang="en-CA"/>
           </a:p>
@@ -523,7 +523,7 @@
           <a:p>
             <a:fld id="{F3A5C36C-4AD1-4368-83A4-9559EE6EF9BD}" type="datetimeFigureOut">
               <a:rPr lang="en-CA" smtClean="0"/>
-              <a:t>19/02/2018</a:t>
+              <a:t>26/02/2018</a:t>
             </a:fld>
             <a:endParaRPr lang="en-CA"/>
           </a:p>
@@ -713,7 +713,7 @@
           <a:p>
             <a:fld id="{F3A5C36C-4AD1-4368-83A4-9559EE6EF9BD}" type="datetimeFigureOut">
               <a:rPr lang="en-CA" smtClean="0"/>
-              <a:t>19/02/2018</a:t>
+              <a:t>26/02/2018</a:t>
             </a:fld>
             <a:endParaRPr lang="en-CA"/>
           </a:p>
@@ -893,7 +893,7 @@
           <a:p>
             <a:fld id="{F3A5C36C-4AD1-4368-83A4-9559EE6EF9BD}" type="datetimeFigureOut">
               <a:rPr lang="en-CA" smtClean="0"/>
-              <a:t>19/02/2018</a:t>
+              <a:t>26/02/2018</a:t>
             </a:fld>
             <a:endParaRPr lang="en-CA"/>
           </a:p>
@@ -1158,7 +1158,7 @@
           <a:p>
             <a:fld id="{F3A5C36C-4AD1-4368-83A4-9559EE6EF9BD}" type="datetimeFigureOut">
               <a:rPr lang="en-CA" smtClean="0"/>
-              <a:t>19/02/2018</a:t>
+              <a:t>26/02/2018</a:t>
             </a:fld>
             <a:endParaRPr lang="en-CA"/>
           </a:p>
@@ -1440,7 +1440,7 @@
           <a:p>
             <a:fld id="{F3A5C36C-4AD1-4368-83A4-9559EE6EF9BD}" type="datetimeFigureOut">
               <a:rPr lang="en-CA" smtClean="0"/>
-              <a:t>19/02/2018</a:t>
+              <a:t>26/02/2018</a:t>
             </a:fld>
             <a:endParaRPr lang="en-CA"/>
           </a:p>
@@ -1832,7 +1832,7 @@
           <a:p>
             <a:fld id="{F3A5C36C-4AD1-4368-83A4-9559EE6EF9BD}" type="datetimeFigureOut">
               <a:rPr lang="en-CA" smtClean="0"/>
-              <a:t>19/02/2018</a:t>
+              <a:t>26/02/2018</a:t>
             </a:fld>
             <a:endParaRPr lang="en-CA"/>
           </a:p>
@@ -1998,7 +1998,7 @@
           <a:p>
             <a:fld id="{F3A5C36C-4AD1-4368-83A4-9559EE6EF9BD}" type="datetimeFigureOut">
               <a:rPr lang="en-CA" smtClean="0"/>
-              <a:t>19/02/2018</a:t>
+              <a:t>26/02/2018</a:t>
             </a:fld>
             <a:endParaRPr lang="en-CA"/>
           </a:p>
@@ -2105,7 +2105,7 @@
           <a:p>
             <a:fld id="{F3A5C36C-4AD1-4368-83A4-9559EE6EF9BD}" type="datetimeFigureOut">
               <a:rPr lang="en-CA" smtClean="0"/>
-              <a:t>19/02/2018</a:t>
+              <a:t>26/02/2018</a:t>
             </a:fld>
             <a:endParaRPr lang="en-CA"/>
           </a:p>
@@ -2381,7 +2381,7 @@
           <a:p>
             <a:fld id="{F3A5C36C-4AD1-4368-83A4-9559EE6EF9BD}" type="datetimeFigureOut">
               <a:rPr lang="en-CA" smtClean="0"/>
-              <a:t>19/02/2018</a:t>
+              <a:t>26/02/2018</a:t>
             </a:fld>
             <a:endParaRPr lang="en-CA"/>
           </a:p>
@@ -2990,7 +2990,7 @@
           <a:p>
             <a:fld id="{F3A5C36C-4AD1-4368-83A4-9559EE6EF9BD}" type="datetimeFigureOut">
               <a:rPr lang="en-CA" smtClean="0"/>
-              <a:t>19/02/2018</a:t>
+              <a:t>26/02/2018</a:t>
             </a:fld>
             <a:endParaRPr lang="en-CA"/>
           </a:p>
@@ -3526,7 +3526,7 @@
           <a:p>
             <a:fld id="{F3A5C36C-4AD1-4368-83A4-9559EE6EF9BD}" type="datetimeFigureOut">
               <a:rPr lang="en-CA" smtClean="0"/>
-              <a:t>19/02/2018</a:t>
+              <a:t>26/02/2018</a:t>
             </a:fld>
             <a:endParaRPr lang="en-CA"/>
           </a:p>
@@ -4375,8 +4375,8 @@
           </a:p>
         </p:txBody>
       </p:sp>
-      <mc:AlternateContent xmlns:mc="http://schemas.openxmlformats.org/markup-compatibility/2006" xmlns:a14="http://schemas.microsoft.com/office/drawing/2010/main">
-        <mc:Choice Requires="a14">
+      <mc:AlternateContent xmlns:mc="http://schemas.openxmlformats.org/markup-compatibility/2006">
+        <mc:Choice xmlns:a14="http://schemas.microsoft.com/office/drawing/2010/main" Requires="a14">
           <p:sp>
             <p:nvSpPr>
               <p:cNvPr id="3" name="Content Placeholder 2">
@@ -4405,11 +4405,11 @@
                 </a:pPr>
                 <a:r>
                   <a:rPr lang="en-CA" dirty="0"/>
-                  <a:t>lm(mass ~ region + </a:t>
+                  <a:t>lm(mass ~ pop + </a:t>
                 </a:r>
                 <a:r>
                   <a:rPr lang="en-CA" dirty="0" err="1"/>
-                  <a:t>hab</a:t>
+                  <a:t>svl</a:t>
                 </a:r>
                 <a:r>
                   <a:rPr lang="en-CA" dirty="0"/>
@@ -4942,7 +4942,7 @@
             </p:txBody>
           </p:sp>
         </mc:Choice>
-        <mc:Fallback xmlns="">
+        <mc:Fallback>
           <p:sp>
             <p:nvSpPr>
               <p:cNvPr id="3" name="Content Placeholder 2">
@@ -5042,8 +5042,8 @@
           </a:p>
         </p:txBody>
       </p:sp>
-      <mc:AlternateContent xmlns:mc="http://schemas.openxmlformats.org/markup-compatibility/2006">
-        <mc:Choice xmlns:a14="http://schemas.microsoft.com/office/drawing/2010/main" Requires="a14">
+      <mc:AlternateContent xmlns:mc="http://schemas.openxmlformats.org/markup-compatibility/2006" xmlns:a14="http://schemas.microsoft.com/office/drawing/2010/main">
+        <mc:Choice Requires="a14">
           <p:sp>
             <p:nvSpPr>
               <p:cNvPr id="6" name="Rectangle 5">
@@ -5307,7 +5307,7 @@
             </p:txBody>
           </p:sp>
         </mc:Choice>
-        <mc:Fallback>
+        <mc:Fallback xmlns="">
           <p:sp>
             <p:nvSpPr>
               <p:cNvPr id="6" name="Rectangle 5">
@@ -5447,8 +5447,8 @@
           </a:p>
         </p:txBody>
       </p:sp>
-      <mc:AlternateContent xmlns:mc="http://schemas.openxmlformats.org/markup-compatibility/2006">
-        <mc:Choice xmlns:a14="http://schemas.microsoft.com/office/drawing/2010/main" Requires="a14">
+      <mc:AlternateContent xmlns:mc="http://schemas.openxmlformats.org/markup-compatibility/2006" xmlns:a14="http://schemas.microsoft.com/office/drawing/2010/main">
+        <mc:Choice Requires="a14">
           <p:sp>
             <p:nvSpPr>
               <p:cNvPr id="3" name="Content Placeholder 2">
@@ -5940,7 +5940,7 @@
             </p:txBody>
           </p:sp>
         </mc:Choice>
-        <mc:Fallback>
+        <mc:Fallback xmlns="">
           <p:sp>
             <p:nvSpPr>
               <p:cNvPr id="3" name="Content Placeholder 2">
